--- a/Project_game/презентация2.pptx
+++ b/Project_game/презентация2.pptx
@@ -3714,7 +3714,7 @@
                     <a:p>
                       <a:r>
                         <a:rPr lang="ru-RU" dirty="0"/>
-                        <a:t>Создание сеттинга игры</a:t>
+                        <a:t>Создание сеттинга игры, нескольких уровней</a:t>
                       </a:r>
                       <a:endParaRPr lang="ru-RU" dirty="0"/>
                     </a:p>
@@ -3763,7 +3763,7 @@
                     <a:p>
                       <a:r>
                         <a:rPr lang="ru-RU" dirty="0"/>
-                        <a:t>Анимация персонажей</a:t>
+                        <a:t>Анимация персонажа</a:t>
                       </a:r>
                       <a:endParaRPr lang="ru-RU" dirty="0"/>
                     </a:p>
@@ -3861,11 +3861,7 @@
                     <a:p>
                       <a:r>
                         <a:rPr lang="ru-RU" altLang="en-US" dirty="0"/>
-                        <a:t>Создание стартового и финального окна</a:t>
-                      </a:r>
-                      <a:r>
-                        <a:rPr lang="en-US" altLang="ru-RU" dirty="0"/>
-                        <a:t> </a:t>
+                        <a:t>Создание стартового и финального окна, подсчет результатов</a:t>
                       </a:r>
                       <a:endParaRPr lang="en-US" altLang="ru-RU" dirty="0"/>
                     </a:p>
@@ -4549,9 +4545,402 @@
                   <a:srgbClr val="C00000"/>
                 </a:solidFill>
               </a:rPr>
-              <a:t>: ...</a:t>
-            </a:r>
-            <a:endParaRPr lang="ru-RU" altLang="en-US">
+              <a:t>:</a:t>
+            </a:r>
+            <a:r>
+              <a:rPr lang="ru-RU" altLang="en-US">
+                <a:solidFill>
+                  <a:srgbClr val="C00000"/>
+                </a:solidFill>
+              </a:rPr>
+              <a:t>1)</a:t>
+            </a:r>
+            <a:r>
+              <a:rPr lang="en-US" altLang="ru-RU">
+                <a:solidFill>
+                  <a:srgbClr val="C00000"/>
+                </a:solidFill>
+              </a:rPr>
+              <a:t> requirements.txt</a:t>
+            </a:r>
+            <a:endParaRPr lang="en-US" altLang="ru-RU">
+              <a:solidFill>
+                <a:srgbClr val="C00000"/>
+              </a:solidFill>
+            </a:endParaRPr>
+          </a:p>
+          <a:p>
+            <a:r>
+              <a:rPr lang="en-US" altLang="ru-RU">
+                <a:solidFill>
+                  <a:srgbClr val="C00000"/>
+                </a:solidFill>
+              </a:rPr>
+              <a:t>2) </a:t>
+            </a:r>
+            <a:r>
+              <a:rPr lang="en-US" altLang="en-US">
+                <a:solidFill>
+                  <a:srgbClr val="C00000"/>
+                </a:solidFill>
+              </a:rPr>
+              <a:t>Стартовое</a:t>
+            </a:r>
+            <a:r>
+              <a:rPr lang="en-US" altLang="ru-RU">
+                <a:solidFill>
+                  <a:srgbClr val="C00000"/>
+                </a:solidFill>
+              </a:rPr>
+              <a:t> </a:t>
+            </a:r>
+            <a:r>
+              <a:rPr lang="en-US" altLang="en-US">
+                <a:solidFill>
+                  <a:srgbClr val="C00000"/>
+                </a:solidFill>
+              </a:rPr>
+              <a:t>окно</a:t>
+            </a:r>
+            <a:endParaRPr lang="en-US" altLang="en-US">
+              <a:solidFill>
+                <a:srgbClr val="C00000"/>
+              </a:solidFill>
+            </a:endParaRPr>
+          </a:p>
+          <a:p>
+            <a:r>
+              <a:rPr lang="en-US" altLang="ru-RU">
+                <a:solidFill>
+                  <a:srgbClr val="C00000"/>
+                </a:solidFill>
+              </a:rPr>
+              <a:t>3) </a:t>
+            </a:r>
+            <a:r>
+              <a:rPr lang="en-US" altLang="en-US">
+                <a:solidFill>
+                  <a:srgbClr val="C00000"/>
+                </a:solidFill>
+              </a:rPr>
+              <a:t>Финальное</a:t>
+            </a:r>
+            <a:r>
+              <a:rPr lang="en-US" altLang="ru-RU">
+                <a:solidFill>
+                  <a:srgbClr val="C00000"/>
+                </a:solidFill>
+              </a:rPr>
+              <a:t> </a:t>
+            </a:r>
+            <a:r>
+              <a:rPr lang="en-US" altLang="en-US">
+                <a:solidFill>
+                  <a:srgbClr val="C00000"/>
+                </a:solidFill>
+              </a:rPr>
+              <a:t>окно</a:t>
+            </a:r>
+            <a:endParaRPr lang="en-US" altLang="en-US">
+              <a:solidFill>
+                <a:srgbClr val="C00000"/>
+              </a:solidFill>
+            </a:endParaRPr>
+          </a:p>
+          <a:p>
+            <a:r>
+              <a:rPr lang="en-US" altLang="ru-RU">
+                <a:solidFill>
+                  <a:srgbClr val="C00000"/>
+                </a:solidFill>
+              </a:rPr>
+              <a:t>4) </a:t>
+            </a:r>
+            <a:r>
+              <a:rPr lang="en-US" altLang="en-US">
+                <a:solidFill>
+                  <a:srgbClr val="C00000"/>
+                </a:solidFill>
+              </a:rPr>
+              <a:t>Подсчет</a:t>
+            </a:r>
+            <a:r>
+              <a:rPr lang="en-US" altLang="ru-RU">
+                <a:solidFill>
+                  <a:srgbClr val="C00000"/>
+                </a:solidFill>
+              </a:rPr>
+              <a:t> </a:t>
+            </a:r>
+            <a:r>
+              <a:rPr lang="en-US" altLang="en-US">
+                <a:solidFill>
+                  <a:srgbClr val="C00000"/>
+                </a:solidFill>
+              </a:rPr>
+              <a:t>результатов</a:t>
+            </a:r>
+            <a:endParaRPr lang="en-US" altLang="en-US">
+              <a:solidFill>
+                <a:srgbClr val="C00000"/>
+              </a:solidFill>
+            </a:endParaRPr>
+          </a:p>
+          <a:p>
+            <a:r>
+              <a:rPr lang="en-US" altLang="ru-RU">
+                <a:solidFill>
+                  <a:srgbClr val="C00000"/>
+                </a:solidFill>
+              </a:rPr>
+              <a:t>5) </a:t>
+            </a:r>
+            <a:r>
+              <a:rPr lang="en-US" altLang="en-US">
+                <a:solidFill>
+                  <a:srgbClr val="C00000"/>
+                </a:solidFill>
+              </a:rPr>
+              <a:t>Использование</a:t>
+            </a:r>
+            <a:r>
+              <a:rPr lang="en-US" altLang="ru-RU">
+                <a:solidFill>
+                  <a:srgbClr val="C00000"/>
+                </a:solidFill>
+              </a:rPr>
+              <a:t> </a:t>
+            </a:r>
+            <a:r>
+              <a:rPr lang="en-US" altLang="en-US">
+                <a:solidFill>
+                  <a:srgbClr val="C00000"/>
+                </a:solidFill>
+              </a:rPr>
+              <a:t>спрайтов</a:t>
+            </a:r>
+            <a:endParaRPr lang="en-US" altLang="en-US">
+              <a:solidFill>
+                <a:srgbClr val="C00000"/>
+              </a:solidFill>
+            </a:endParaRPr>
+          </a:p>
+          <a:p>
+            <a:r>
+              <a:rPr lang="en-US" altLang="ru-RU">
+                <a:solidFill>
+                  <a:srgbClr val="C00000"/>
+                </a:solidFill>
+              </a:rPr>
+              <a:t>6) </a:t>
+            </a:r>
+            <a:r>
+              <a:rPr lang="en-US" altLang="en-US">
+                <a:solidFill>
+                  <a:srgbClr val="C00000"/>
+                </a:solidFill>
+              </a:rPr>
+              <a:t>Использование</a:t>
+            </a:r>
+            <a:r>
+              <a:rPr lang="en-US" altLang="ru-RU">
+                <a:solidFill>
+                  <a:srgbClr val="C00000"/>
+                </a:solidFill>
+              </a:rPr>
+              <a:t> </a:t>
+            </a:r>
+            <a:r>
+              <a:rPr lang="en-US" altLang="en-US">
+                <a:solidFill>
+                  <a:srgbClr val="C00000"/>
+                </a:solidFill>
+              </a:rPr>
+              <a:t>методов</a:t>
+            </a:r>
+            <a:r>
+              <a:rPr lang="en-US" altLang="ru-RU">
+                <a:solidFill>
+                  <a:srgbClr val="C00000"/>
+                </a:solidFill>
+              </a:rPr>
+              <a:t> collide </a:t>
+            </a:r>
+            <a:r>
+              <a:rPr lang="en-US" altLang="en-US">
+                <a:solidFill>
+                  <a:srgbClr val="C00000"/>
+                </a:solidFill>
+              </a:rPr>
+              <a:t>для</a:t>
+            </a:r>
+            <a:r>
+              <a:rPr lang="en-US" altLang="ru-RU">
+                <a:solidFill>
+                  <a:srgbClr val="C00000"/>
+                </a:solidFill>
+              </a:rPr>
+              <a:t> </a:t>
+            </a:r>
+            <a:r>
+              <a:rPr lang="en-US" altLang="en-US">
+                <a:solidFill>
+                  <a:srgbClr val="C00000"/>
+                </a:solidFill>
+              </a:rPr>
+              <a:t>определения</a:t>
+            </a:r>
+            <a:r>
+              <a:rPr lang="en-US" altLang="ru-RU">
+                <a:solidFill>
+                  <a:srgbClr val="C00000"/>
+                </a:solidFill>
+              </a:rPr>
+              <a:t> </a:t>
+            </a:r>
+            <a:r>
+              <a:rPr lang="en-US" altLang="en-US">
+                <a:solidFill>
+                  <a:srgbClr val="C00000"/>
+                </a:solidFill>
+              </a:rPr>
+              <a:t>столкновений</a:t>
+            </a:r>
+            <a:r>
+              <a:rPr lang="en-US" altLang="ru-RU">
+                <a:solidFill>
+                  <a:srgbClr val="C00000"/>
+                </a:solidFill>
+              </a:rPr>
+              <a:t> </a:t>
+            </a:r>
+            <a:r>
+              <a:rPr lang="en-US" altLang="en-US">
+                <a:solidFill>
+                  <a:srgbClr val="C00000"/>
+                </a:solidFill>
+              </a:rPr>
+              <a:t>спрайтов</a:t>
+            </a:r>
+            <a:endParaRPr lang="en-US" altLang="en-US">
+              <a:solidFill>
+                <a:srgbClr val="C00000"/>
+              </a:solidFill>
+            </a:endParaRPr>
+          </a:p>
+          <a:p>
+            <a:r>
+              <a:rPr lang="en-US" altLang="ru-RU">
+                <a:solidFill>
+                  <a:srgbClr val="C00000"/>
+                </a:solidFill>
+              </a:rPr>
+              <a:t>7) </a:t>
+            </a:r>
+            <a:r>
+              <a:rPr lang="en-US" altLang="en-US">
+                <a:solidFill>
+                  <a:srgbClr val="C00000"/>
+                </a:solidFill>
+              </a:rPr>
+              <a:t>Анимация</a:t>
+            </a:r>
+            <a:r>
+              <a:rPr lang="en-US" altLang="ru-RU">
+                <a:solidFill>
+                  <a:srgbClr val="C00000"/>
+                </a:solidFill>
+              </a:rPr>
+              <a:t> </a:t>
+            </a:r>
+            <a:r>
+              <a:rPr lang="en-US" altLang="en-US">
+                <a:solidFill>
+                  <a:srgbClr val="C00000"/>
+                </a:solidFill>
+              </a:rPr>
+              <a:t>игрока</a:t>
+            </a:r>
+            <a:endParaRPr lang="en-US" altLang="en-US">
+              <a:solidFill>
+                <a:srgbClr val="C00000"/>
+              </a:solidFill>
+            </a:endParaRPr>
+          </a:p>
+          <a:p>
+            <a:r>
+              <a:rPr lang="en-US" altLang="ru-RU">
+                <a:solidFill>
+                  <a:srgbClr val="C00000"/>
+                </a:solidFill>
+              </a:rPr>
+              <a:t>8) </a:t>
+            </a:r>
+            <a:r>
+              <a:rPr lang="en-US" altLang="en-US">
+                <a:solidFill>
+                  <a:srgbClr val="C00000"/>
+                </a:solidFill>
+              </a:rPr>
+              <a:t>Несколько</a:t>
+            </a:r>
+            <a:r>
+              <a:rPr lang="en-US" altLang="ru-RU">
+                <a:solidFill>
+                  <a:srgbClr val="C00000"/>
+                </a:solidFill>
+              </a:rPr>
+              <a:t> </a:t>
+            </a:r>
+            <a:r>
+              <a:rPr lang="en-US" altLang="en-US">
+                <a:solidFill>
+                  <a:srgbClr val="C00000"/>
+                </a:solidFill>
+              </a:rPr>
+              <a:t>уровней</a:t>
+            </a:r>
+            <a:r>
+              <a:rPr lang="en-US" altLang="ru-RU">
+                <a:solidFill>
+                  <a:srgbClr val="C00000"/>
+                </a:solidFill>
+              </a:rPr>
+              <a:t> </a:t>
+            </a:r>
+            <a:r>
+              <a:rPr lang="en-US" altLang="en-US">
+                <a:solidFill>
+                  <a:srgbClr val="C00000"/>
+                </a:solidFill>
+              </a:rPr>
+              <a:t>в</a:t>
+            </a:r>
+            <a:r>
+              <a:rPr lang="en-US" altLang="ru-RU">
+                <a:solidFill>
+                  <a:srgbClr val="C00000"/>
+                </a:solidFill>
+              </a:rPr>
+              <a:t> </a:t>
+            </a:r>
+            <a:r>
+              <a:rPr lang="en-US" altLang="en-US">
+                <a:solidFill>
+                  <a:srgbClr val="C00000"/>
+                </a:solidFill>
+              </a:rPr>
+              <a:t>игре</a:t>
+            </a:r>
+            <a:r>
+              <a:rPr lang="en-US" altLang="ru-RU">
+                <a:solidFill>
+                  <a:srgbClr val="C00000"/>
+                </a:solidFill>
+              </a:rPr>
+              <a:t> ( 2)</a:t>
+            </a:r>
+            <a:endParaRPr lang="en-US" altLang="ru-RU">
               <a:solidFill>
                 <a:srgbClr val="C00000"/>
               </a:solidFill>
@@ -4586,7 +4975,7 @@
       </p:sp>
       <p:pic>
         <p:nvPicPr>
-          <p:cNvPr id="-2147482622" name="Изображение -2147482623" descr="Снимок экрана (73)"/>
+          <p:cNvPr id="8" name="Изображение 7" descr="Снимок экрана (83)"/>
           <p:cNvPicPr>
             <a:picLocks noChangeAspect="1"/>
           </p:cNvPicPr>
@@ -4594,23 +4983,19 @@
         </p:nvPicPr>
         <p:blipFill>
           <a:blip r:embed="rId2"/>
-          <a:srcRect l="11340" t="5537" r="11403" b="9727"/>
+          <a:srcRect l="11535" t="5210" r="12201" b="9395"/>
           <a:stretch>
             <a:fillRect/>
           </a:stretch>
         </p:blipFill>
         <p:spPr>
           <a:xfrm>
-            <a:off x="899795" y="3716973"/>
-            <a:ext cx="4526280" cy="2793365"/>
+            <a:off x="4787900" y="4011295"/>
+            <a:ext cx="4518660" cy="2846705"/>
           </a:xfrm>
           <a:prstGeom prst="rect">
             <a:avLst/>
           </a:prstGeom>
-          <a:noFill/>
-          <a:ln w="9525">
-            <a:noFill/>
-          </a:ln>
         </p:spPr>
       </p:pic>
     </p:spTree>
@@ -4873,188 +5258,8 @@
               <a:t> </a:t>
             </a:r>
             <a:r>
-              <a:rPr lang="en-US" altLang="en-US"/>
-              <a:t>проект</a:t>
-            </a:r>
-            <a:r>
-              <a:rPr lang="en-US" altLang="ru-RU"/>
-              <a:t> </a:t>
-            </a:r>
-            <a:r>
-              <a:rPr lang="en-US" altLang="en-US"/>
-              <a:t>при</a:t>
-            </a:r>
-            <a:r>
-              <a:rPr lang="en-US" altLang="ru-RU"/>
-              <a:t> </a:t>
-            </a:r>
-            <a:r>
-              <a:rPr lang="en-US" altLang="en-US"/>
-              <a:t>увеличении</a:t>
-            </a:r>
-            <a:r>
-              <a:rPr lang="en-US" altLang="ru-RU"/>
-              <a:t> </a:t>
-            </a:r>
-            <a:r>
-              <a:rPr lang="en-US" altLang="en-US"/>
-              <a:t>срока</a:t>
-            </a:r>
-            <a:r>
-              <a:rPr lang="en-US" altLang="ru-RU"/>
-              <a:t> </a:t>
-            </a:r>
-            <a:r>
-              <a:rPr lang="en-US" altLang="en-US"/>
-              <a:t>дедлайна</a:t>
-            </a:r>
-            <a:r>
-              <a:rPr lang="en-US" altLang="ru-RU"/>
-              <a:t> </a:t>
-            </a:r>
-            <a:r>
-              <a:rPr lang="en-US" altLang="en-US"/>
-              <a:t>возможно</a:t>
-            </a:r>
-            <a:r>
-              <a:rPr lang="en-US" altLang="ru-RU"/>
-              <a:t> </a:t>
-            </a:r>
-            <a:r>
-              <a:rPr lang="en-US" altLang="en-US"/>
-              <a:t>доработать</a:t>
-            </a:r>
-            <a:r>
-              <a:rPr lang="en-US" altLang="ru-RU"/>
-              <a:t>,</a:t>
-            </a:r>
-            <a:r>
               <a:rPr lang="ru-RU" altLang="en-US"/>
-              <a:t>например,</a:t>
-            </a:r>
-            <a:r>
-              <a:rPr lang="en-US" altLang="ru-RU"/>
-              <a:t> </a:t>
-            </a:r>
-            <a:r>
-              <a:rPr lang="en-US" altLang="en-US"/>
-              <a:t>добави</a:t>
-            </a:r>
-            <a:r>
-              <a:rPr lang="ru-RU" altLang="en-US"/>
-              <a:t>ть</a:t>
-            </a:r>
-            <a:r>
-              <a:rPr lang="en-US" altLang="ru-RU"/>
-              <a:t> </a:t>
-            </a:r>
-            <a:r>
-              <a:rPr lang="en-US" altLang="en-US"/>
-              <a:t>в</a:t>
-            </a:r>
-            <a:r>
-              <a:rPr lang="en-US" altLang="ru-RU"/>
-              <a:t> </a:t>
-            </a:r>
-            <a:r>
-              <a:rPr lang="en-US" altLang="en-US"/>
-              <a:t>него</a:t>
-            </a:r>
-            <a:r>
-              <a:rPr lang="en-US" altLang="ru-RU"/>
-              <a:t> </a:t>
-            </a:r>
-            <a:r>
-              <a:rPr lang="en-US" altLang="en-US"/>
-              <a:t>возможность</a:t>
-            </a:r>
-            <a:r>
-              <a:rPr lang="en-US" altLang="ru-RU"/>
-              <a:t> </a:t>
-            </a:r>
-            <a:r>
-              <a:rPr lang="en-US" altLang="en-US"/>
-              <a:t>включать</a:t>
-            </a:r>
-            <a:r>
-              <a:rPr lang="en-US" altLang="ru-RU"/>
-              <a:t> </a:t>
-            </a:r>
-            <a:r>
-              <a:rPr lang="en-US" altLang="en-US"/>
-              <a:t>музыку</a:t>
-            </a:r>
-            <a:r>
-              <a:rPr lang="en-US" altLang="ru-RU"/>
-              <a:t> </a:t>
-            </a:r>
-            <a:r>
-              <a:rPr lang="en-US" altLang="en-US"/>
-              <a:t>для</a:t>
-            </a:r>
-            <a:r>
-              <a:rPr lang="en-US" altLang="ru-RU"/>
-              <a:t> </a:t>
-            </a:r>
-            <a:r>
-              <a:rPr lang="en-US" altLang="en-US"/>
-              <a:t>сна</a:t>
-            </a:r>
-            <a:r>
-              <a:rPr lang="en-US" altLang="ru-RU"/>
-              <a:t> </a:t>
-            </a:r>
-            <a:r>
-              <a:rPr lang="en-US" altLang="en-US"/>
-              <a:t>или</a:t>
-            </a:r>
-            <a:r>
-              <a:rPr lang="en-US" altLang="ru-RU"/>
-              <a:t> </a:t>
-            </a:r>
-            <a:r>
-              <a:rPr lang="en-US" altLang="en-US"/>
-              <a:t>видеть</a:t>
-            </a:r>
-            <a:r>
-              <a:rPr lang="en-US" altLang="ru-RU"/>
-              <a:t> </a:t>
-            </a:r>
-            <a:r>
-              <a:rPr lang="en-US" altLang="en-US"/>
-              <a:t>статистику</a:t>
-            </a:r>
-            <a:r>
-              <a:rPr lang="en-US" altLang="ru-RU"/>
-              <a:t> </a:t>
-            </a:r>
-            <a:r>
-              <a:rPr lang="en-US" altLang="en-US"/>
-              <a:t>качества</a:t>
-            </a:r>
-            <a:r>
-              <a:rPr lang="en-US" altLang="ru-RU"/>
-              <a:t> </a:t>
-            </a:r>
-            <a:r>
-              <a:rPr lang="en-US" altLang="en-US"/>
-              <a:t>сна</a:t>
-            </a:r>
-            <a:r>
-              <a:rPr lang="en-US" altLang="ru-RU"/>
-              <a:t> </a:t>
-            </a:r>
-            <a:r>
-              <a:rPr lang="en-US" altLang="en-US"/>
-              <a:t>за</a:t>
-            </a:r>
-            <a:r>
-              <a:rPr lang="en-US" altLang="ru-RU"/>
-              <a:t> </a:t>
-            </a:r>
-            <a:r>
-              <a:rPr lang="en-US" altLang="en-US"/>
-              <a:t>неделю</a:t>
+              <a:t>также в дальнейшем можно добавить различных врагов, которые смогут наносить урон игроку</a:t>
             </a:r>
             <a:r>
               <a:rPr lang="en-US" altLang="ru-RU"/>
